--- a/Misc/StealME.pptx
+++ b/Misc/StealME.pptx
@@ -5,10 +5,10 @@
     <p:sldMasterId id="2147483684" r:id="rId1"/>
   </p:sldMasterIdLst>
   <p:notesMasterIdLst>
-    <p:notesMasterId r:id="rId20"/>
+    <p:notesMasterId r:id="rId21"/>
   </p:notesMasterIdLst>
   <p:handoutMasterIdLst>
-    <p:handoutMasterId r:id="rId21"/>
+    <p:handoutMasterId r:id="rId22"/>
   </p:handoutMasterIdLst>
   <p:sldIdLst>
     <p:sldId id="256" r:id="rId2"/>
@@ -19,16 +19,17 @@
     <p:sldId id="260" r:id="rId7"/>
     <p:sldId id="261" r:id="rId8"/>
     <p:sldId id="262" r:id="rId9"/>
-    <p:sldId id="268" r:id="rId10"/>
-    <p:sldId id="263" r:id="rId11"/>
-    <p:sldId id="273" r:id="rId12"/>
-    <p:sldId id="264" r:id="rId13"/>
-    <p:sldId id="265" r:id="rId14"/>
-    <p:sldId id="267" r:id="rId15"/>
-    <p:sldId id="266" r:id="rId16"/>
-    <p:sldId id="270" r:id="rId17"/>
-    <p:sldId id="269" r:id="rId18"/>
-    <p:sldId id="271" r:id="rId19"/>
+    <p:sldId id="274" r:id="rId10"/>
+    <p:sldId id="268" r:id="rId11"/>
+    <p:sldId id="263" r:id="rId12"/>
+    <p:sldId id="273" r:id="rId13"/>
+    <p:sldId id="264" r:id="rId14"/>
+    <p:sldId id="265" r:id="rId15"/>
+    <p:sldId id="267" r:id="rId16"/>
+    <p:sldId id="266" r:id="rId17"/>
+    <p:sldId id="270" r:id="rId18"/>
+    <p:sldId id="269" r:id="rId19"/>
+    <p:sldId id="271" r:id="rId20"/>
   </p:sldIdLst>
   <p:sldSz cx="12192000" cy="6858000"/>
   <p:notesSz cx="6858000" cy="9144000"/>
@@ -127,6 +128,11 @@
       </a:defRPr>
     </a:lvl9pPr>
   </p:defaultTextStyle>
+  <p:extLst>
+    <p:ext uri="{EFAFB233-063F-42B5-8137-9DF3F51BA10A}">
+      <p15:sldGuideLst xmlns:p15="http://schemas.microsoft.com/office/powerpoint/2012/main"/>
+    </p:ext>
+  </p:extLst>
 </p:presentation>
 </file>
 
@@ -212,7 +218,7 @@
           <a:p>
             <a:fld id="{0CC7FAC4-A0B6-460B-A854-D81F50F56B4F}" type="datetimeFigureOut">
               <a:rPr lang="en-US" smtClean="0"/>
-              <a:t>5/24/2014</a:t>
+              <a:t>5/25/2014</a:t>
             </a:fld>
             <a:endParaRPr lang="en-US"/>
           </a:p>
@@ -382,7 +388,7 @@
           <a:p>
             <a:fld id="{B6F67132-C281-4F68-9C83-960C95EA7F83}" type="datetimeFigureOut">
               <a:rPr lang="en-US" smtClean="0"/>
-              <a:t>5/24/2014</a:t>
+              <a:t>5/25/2014</a:t>
             </a:fld>
             <a:endParaRPr lang="en-US"/>
           </a:p>
@@ -6966,8 +6972,12 @@
           <a:lstStyle/>
           <a:p>
             <a:r>
+              <a:rPr lang="en-US" dirty="0" err="1" smtClean="0"/>
+              <a:t>MessagePack</a:t>
+            </a:r>
+            <a:r>
               <a:rPr lang="en-US" dirty="0" smtClean="0"/>
-              <a:t>Client Application I.</a:t>
+              <a:t> - Performance</a:t>
             </a:r>
             <a:endParaRPr lang="en-US" dirty="0"/>
           </a:p>
@@ -7041,78 +7051,48 @@
         </p:blipFill>
         <p:spPr>
           <a:xfrm>
-            <a:off x="1070919" y="1300846"/>
-            <a:ext cx="2999731" cy="5332855"/>
+            <a:off x="760728" y="1443317"/>
+            <a:ext cx="9703833" cy="3260488"/>
           </a:xfrm>
           <a:prstGeom prst="rect">
             <a:avLst/>
           </a:prstGeom>
         </p:spPr>
       </p:pic>
-      <p:pic>
-        <p:nvPicPr>
-          <p:cNvPr id="9" name="Picture 8"/>
-          <p:cNvPicPr>
-            <a:picLocks noChangeAspect="1"/>
-          </p:cNvPicPr>
+      <p:sp>
+        <p:nvSpPr>
+          <p:cNvPr id="9" name="TextBox 8"/>
+          <p:cNvSpPr txBox="1"/>
           <p:nvPr/>
-        </p:nvPicPr>
-        <p:blipFill>
-          <a:blip r:embed="rId3">
-            <a:extLst>
-              <a:ext uri="{28A0092B-C50C-407E-A947-70E740481C1C}">
-                <a14:useLocalDpi xmlns:a14="http://schemas.microsoft.com/office/drawing/2010/main" val="0"/>
-              </a:ext>
-            </a:extLst>
-          </a:blip>
-          <a:stretch>
-            <a:fillRect/>
-          </a:stretch>
-        </p:blipFill>
-        <p:spPr>
-          <a:xfrm>
-            <a:off x="4484454" y="1300846"/>
-            <a:ext cx="2999731" cy="5332855"/>
+        </p:nvSpPr>
+        <p:spPr>
+          <a:xfrm>
+            <a:off x="2619633" y="4827373"/>
+            <a:ext cx="9213309" cy="338554"/>
           </a:xfrm>
           <a:prstGeom prst="rect">
             <a:avLst/>
           </a:prstGeom>
-        </p:spPr>
-      </p:pic>
-      <p:pic>
-        <p:nvPicPr>
-          <p:cNvPr id="10" name="Picture 9"/>
-          <p:cNvPicPr>
-            <a:picLocks noChangeAspect="1"/>
-          </p:cNvPicPr>
-          <p:nvPr/>
-        </p:nvPicPr>
-        <p:blipFill>
-          <a:blip r:embed="rId4">
-            <a:extLst>
-              <a:ext uri="{28A0092B-C50C-407E-A947-70E740481C1C}">
-                <a14:useLocalDpi xmlns:a14="http://schemas.microsoft.com/office/drawing/2010/main" val="0"/>
-              </a:ext>
-            </a:extLst>
-          </a:blip>
-          <a:stretch>
-            <a:fillRect/>
-          </a:stretch>
-        </p:blipFill>
-        <p:spPr>
-          <a:xfrm>
-            <a:off x="7897989" y="1300846"/>
-            <a:ext cx="2999731" cy="5332855"/>
-          </a:xfrm>
-          <a:prstGeom prst="rect">
-            <a:avLst/>
-          </a:prstGeom>
-        </p:spPr>
-      </p:pic>
+          <a:noFill/>
+        </p:spPr>
+        <p:txBody>
+          <a:bodyPr wrap="square" rtlCol="0">
+            <a:spAutoFit/>
+          </a:bodyPr>
+          <a:lstStyle/>
+          <a:p>
+            <a:r>
+              <a:rPr lang="en-US" sz="1600" dirty="0" smtClean="0"/>
+              <a:t>http://theburningmonk.com/2011/12/performance-test-binary-serializers-part-ii/</a:t>
+            </a:r>
+            <a:endParaRPr lang="en-US" sz="1600" dirty="0"/>
+          </a:p>
+        </p:txBody>
+      </p:sp>
     </p:spTree>
     <p:extLst>
       <p:ext uri="{BB962C8B-B14F-4D97-AF65-F5344CB8AC3E}">
-        <p14:creationId xmlns:p14="http://schemas.microsoft.com/office/powerpoint/2010/main" val="1308589270"/>
+        <p14:creationId xmlns:p14="http://schemas.microsoft.com/office/powerpoint/2010/main" val="1020776417"/>
       </p:ext>
     </p:extLst>
   </p:cSld>
@@ -7156,7 +7136,7 @@
           <a:p>
             <a:r>
               <a:rPr lang="en-US" dirty="0" smtClean="0"/>
-              <a:t>Client Application II.</a:t>
+              <a:t>Client Application I.</a:t>
             </a:r>
             <a:endParaRPr lang="en-US" dirty="0"/>
           </a:p>
@@ -7210,7 +7190,7 @@
       </p:sp>
       <p:pic>
         <p:nvPicPr>
-          <p:cNvPr id="3" name="Picture 2"/>
+          <p:cNvPr id="8" name="Picture 7"/>
           <p:cNvPicPr>
             <a:picLocks noChangeAspect="1"/>
           </p:cNvPicPr>
@@ -7230,8 +7210,8 @@
         </p:blipFill>
         <p:spPr>
           <a:xfrm>
-            <a:off x="967557" y="1326523"/>
-            <a:ext cx="2986605" cy="5309520"/>
+            <a:off x="1070919" y="1300846"/>
+            <a:ext cx="2999731" cy="5332855"/>
           </a:xfrm>
           <a:prstGeom prst="rect">
             <a:avLst/>
@@ -7240,7 +7220,7 @@
       </p:pic>
       <p:pic>
         <p:nvPicPr>
-          <p:cNvPr id="4" name="Picture 3"/>
+          <p:cNvPr id="9" name="Picture 8"/>
           <p:cNvPicPr>
             <a:picLocks noChangeAspect="1"/>
           </p:cNvPicPr>
@@ -7260,8 +7240,8 @@
         </p:blipFill>
         <p:spPr>
           <a:xfrm>
-            <a:off x="4295346" y="1326523"/>
-            <a:ext cx="3015778" cy="5361384"/>
+            <a:off x="4484454" y="1300846"/>
+            <a:ext cx="2999731" cy="5332855"/>
           </a:xfrm>
           <a:prstGeom prst="rect">
             <a:avLst/>
@@ -7270,7 +7250,7 @@
       </p:pic>
       <p:pic>
         <p:nvPicPr>
-          <p:cNvPr id="6" name="Picture 5"/>
+          <p:cNvPr id="10" name="Picture 9"/>
           <p:cNvPicPr>
             <a:picLocks noChangeAspect="1"/>
           </p:cNvPicPr>
@@ -7290,8 +7270,8 @@
         </p:blipFill>
         <p:spPr>
           <a:xfrm>
-            <a:off x="7612830" y="1300750"/>
-            <a:ext cx="3030456" cy="5387477"/>
+            <a:off x="7897989" y="1300846"/>
+            <a:ext cx="2999731" cy="5332855"/>
           </a:xfrm>
           <a:prstGeom prst="rect">
             <a:avLst/>
@@ -7301,7 +7281,7 @@
     </p:spTree>
     <p:extLst>
       <p:ext uri="{BB962C8B-B14F-4D97-AF65-F5344CB8AC3E}">
-        <p14:creationId xmlns:p14="http://schemas.microsoft.com/office/powerpoint/2010/main" val="3424121585"/>
+        <p14:creationId xmlns:p14="http://schemas.microsoft.com/office/powerpoint/2010/main" val="1308589270"/>
       </p:ext>
     </p:extLst>
   </p:cSld>
@@ -7345,7 +7325,7 @@
           <a:p>
             <a:r>
               <a:rPr lang="en-US" dirty="0" smtClean="0"/>
-              <a:t>Server Application</a:t>
+              <a:t>Client Application II.</a:t>
             </a:r>
             <a:endParaRPr lang="en-US" dirty="0"/>
           </a:p>
@@ -7399,7 +7379,7 @@
       </p:sp>
       <p:pic>
         <p:nvPicPr>
-          <p:cNvPr id="9" name="Picture 8"/>
+          <p:cNvPr id="3" name="Picture 2"/>
           <p:cNvPicPr>
             <a:picLocks noChangeAspect="1"/>
           </p:cNvPicPr>
@@ -7419,8 +7399,68 @@
         </p:blipFill>
         <p:spPr>
           <a:xfrm>
-            <a:off x="1697654" y="1500982"/>
-            <a:ext cx="7825286" cy="4558979"/>
+            <a:off x="967557" y="1326523"/>
+            <a:ext cx="2986605" cy="5309520"/>
+          </a:xfrm>
+          <a:prstGeom prst="rect">
+            <a:avLst/>
+          </a:prstGeom>
+        </p:spPr>
+      </p:pic>
+      <p:pic>
+        <p:nvPicPr>
+          <p:cNvPr id="4" name="Picture 3"/>
+          <p:cNvPicPr>
+            <a:picLocks noChangeAspect="1"/>
+          </p:cNvPicPr>
+          <p:nvPr/>
+        </p:nvPicPr>
+        <p:blipFill>
+          <a:blip r:embed="rId3">
+            <a:extLst>
+              <a:ext uri="{28A0092B-C50C-407E-A947-70E740481C1C}">
+                <a14:useLocalDpi xmlns:a14="http://schemas.microsoft.com/office/drawing/2010/main" val="0"/>
+              </a:ext>
+            </a:extLst>
+          </a:blip>
+          <a:stretch>
+            <a:fillRect/>
+          </a:stretch>
+        </p:blipFill>
+        <p:spPr>
+          <a:xfrm>
+            <a:off x="4295346" y="1326523"/>
+            <a:ext cx="3015778" cy="5361384"/>
+          </a:xfrm>
+          <a:prstGeom prst="rect">
+            <a:avLst/>
+          </a:prstGeom>
+        </p:spPr>
+      </p:pic>
+      <p:pic>
+        <p:nvPicPr>
+          <p:cNvPr id="6" name="Picture 5"/>
+          <p:cNvPicPr>
+            <a:picLocks noChangeAspect="1"/>
+          </p:cNvPicPr>
+          <p:nvPr/>
+        </p:nvPicPr>
+        <p:blipFill>
+          <a:blip r:embed="rId4">
+            <a:extLst>
+              <a:ext uri="{28A0092B-C50C-407E-A947-70E740481C1C}">
+                <a14:useLocalDpi xmlns:a14="http://schemas.microsoft.com/office/drawing/2010/main" val="0"/>
+              </a:ext>
+            </a:extLst>
+          </a:blip>
+          <a:stretch>
+            <a:fillRect/>
+          </a:stretch>
+        </p:blipFill>
+        <p:spPr>
+          <a:xfrm>
+            <a:off x="7612830" y="1300750"/>
+            <a:ext cx="3030456" cy="5387477"/>
           </a:xfrm>
           <a:prstGeom prst="rect">
             <a:avLst/>
@@ -7430,7 +7470,7 @@
     </p:spTree>
     <p:extLst>
       <p:ext uri="{BB962C8B-B14F-4D97-AF65-F5344CB8AC3E}">
-        <p14:creationId xmlns:p14="http://schemas.microsoft.com/office/powerpoint/2010/main" val="2319967732"/>
+        <p14:creationId xmlns:p14="http://schemas.microsoft.com/office/powerpoint/2010/main" val="3424121585"/>
       </p:ext>
     </p:extLst>
   </p:cSld>
@@ -7474,7 +7514,7 @@
           <a:p>
             <a:r>
               <a:rPr lang="en-US" dirty="0" smtClean="0"/>
-              <a:t>MVC Frontend - Devices</a:t>
+              <a:t>Server Application</a:t>
             </a:r>
             <a:endParaRPr lang="en-US" dirty="0"/>
           </a:p>
@@ -7528,7 +7568,7 @@
       </p:sp>
       <p:pic>
         <p:nvPicPr>
-          <p:cNvPr id="10" name="Picture 9"/>
+          <p:cNvPr id="9" name="Picture 8"/>
           <p:cNvPicPr>
             <a:picLocks noChangeAspect="1"/>
           </p:cNvPicPr>
@@ -7548,8 +7588,8 @@
         </p:blipFill>
         <p:spPr>
           <a:xfrm>
-            <a:off x="1493305" y="1550409"/>
-            <a:ext cx="7710334" cy="4611494"/>
+            <a:off x="1697654" y="1500982"/>
+            <a:ext cx="7825286" cy="4558979"/>
           </a:xfrm>
           <a:prstGeom prst="rect">
             <a:avLst/>
@@ -7559,7 +7599,7 @@
     </p:spTree>
     <p:extLst>
       <p:ext uri="{BB962C8B-B14F-4D97-AF65-F5344CB8AC3E}">
-        <p14:creationId xmlns:p14="http://schemas.microsoft.com/office/powerpoint/2010/main" val="165571291"/>
+        <p14:creationId xmlns:p14="http://schemas.microsoft.com/office/powerpoint/2010/main" val="2319967732"/>
       </p:ext>
     </p:extLst>
   </p:cSld>
@@ -7596,19 +7636,14 @@
             <p:ph type="title"/>
           </p:nvPr>
         </p:nvSpPr>
-        <p:spPr>
-          <a:xfrm>
-            <a:off x="646111" y="452718"/>
-            <a:ext cx="9706429" cy="990599"/>
-          </a:xfrm>
-        </p:spPr>
+        <p:spPr/>
         <p:txBody>
           <a:bodyPr/>
           <a:lstStyle/>
           <a:p>
             <a:r>
               <a:rPr lang="en-US" dirty="0" smtClean="0"/>
-              <a:t>MVC Frontend – Device Registration</a:t>
+              <a:t>MVC Frontend - Devices</a:t>
             </a:r>
             <a:endParaRPr lang="en-US" dirty="0"/>
           </a:p>
@@ -7662,7 +7697,7 @@
       </p:sp>
       <p:pic>
         <p:nvPicPr>
-          <p:cNvPr id="9" name="Picture 8"/>
+          <p:cNvPr id="10" name="Picture 9"/>
           <p:cNvPicPr>
             <a:picLocks noChangeAspect="1"/>
           </p:cNvPicPr>
@@ -7682,8 +7717,8 @@
         </p:blipFill>
         <p:spPr>
           <a:xfrm>
-            <a:off x="3283287" y="1443317"/>
-            <a:ext cx="4773318" cy="4988230"/>
+            <a:off x="1493305" y="1550409"/>
+            <a:ext cx="7710334" cy="4611494"/>
           </a:xfrm>
           <a:prstGeom prst="rect">
             <a:avLst/>
@@ -7693,7 +7728,7 @@
     </p:spTree>
     <p:extLst>
       <p:ext uri="{BB962C8B-B14F-4D97-AF65-F5344CB8AC3E}">
-        <p14:creationId xmlns:p14="http://schemas.microsoft.com/office/powerpoint/2010/main" val="1552119330"/>
+        <p14:creationId xmlns:p14="http://schemas.microsoft.com/office/powerpoint/2010/main" val="165571291"/>
       </p:ext>
     </p:extLst>
   </p:cSld>
@@ -7730,14 +7765,19 @@
             <p:ph type="title"/>
           </p:nvPr>
         </p:nvSpPr>
-        <p:spPr/>
+        <p:spPr>
+          <a:xfrm>
+            <a:off x="646111" y="452718"/>
+            <a:ext cx="9706429" cy="990599"/>
+          </a:xfrm>
+        </p:spPr>
         <p:txBody>
           <a:bodyPr/>
           <a:lstStyle/>
           <a:p>
             <a:r>
               <a:rPr lang="en-US" dirty="0" smtClean="0"/>
-              <a:t>MVC Frontend - Tracking</a:t>
+              <a:t>MVC Frontend – Device Registration</a:t>
             </a:r>
             <a:endParaRPr lang="en-US" dirty="0"/>
           </a:p>
@@ -7811,8 +7851,8 @@
         </p:blipFill>
         <p:spPr>
           <a:xfrm>
-            <a:off x="1503899" y="1274231"/>
-            <a:ext cx="7689146" cy="5436688"/>
+            <a:off x="3283287" y="1443317"/>
+            <a:ext cx="4773318" cy="4988230"/>
           </a:xfrm>
           <a:prstGeom prst="rect">
             <a:avLst/>
@@ -7822,7 +7862,7 @@
     </p:spTree>
     <p:extLst>
       <p:ext uri="{BB962C8B-B14F-4D97-AF65-F5344CB8AC3E}">
-        <p14:creationId xmlns:p14="http://schemas.microsoft.com/office/powerpoint/2010/main" val="1522689702"/>
+        <p14:creationId xmlns:p14="http://schemas.microsoft.com/office/powerpoint/2010/main" val="1552119330"/>
       </p:ext>
     </p:extLst>
   </p:cSld>
@@ -7866,77 +7906,7 @@
           <a:p>
             <a:r>
               <a:rPr lang="en-US" dirty="0" smtClean="0"/>
-              <a:t>Pitfalls</a:t>
-            </a:r>
-            <a:endParaRPr lang="en-US" dirty="0"/>
-          </a:p>
-        </p:txBody>
-      </p:sp>
-      <p:sp>
-        <p:nvSpPr>
-          <p:cNvPr id="3" name="Content Placeholder 2"/>
-          <p:cNvSpPr>
-            <a:spLocks noGrp="1"/>
-          </p:cNvSpPr>
-          <p:nvPr>
-            <p:ph idx="1"/>
-          </p:nvPr>
-        </p:nvSpPr>
-        <p:spPr>
-          <a:xfrm>
-            <a:off x="1104293" y="1443317"/>
-            <a:ext cx="8946541" cy="4195481"/>
-          </a:xfrm>
-        </p:spPr>
-        <p:txBody>
-          <a:bodyPr/>
-          <a:lstStyle/>
-          <a:p>
-            <a:r>
-              <a:rPr lang="en-US" dirty="0" smtClean="0"/>
-              <a:t>Working with </a:t>
-            </a:r>
-            <a:r>
-              <a:rPr lang="en-US" dirty="0" err="1" smtClean="0"/>
-              <a:t>async</a:t>
-            </a:r>
-            <a:r>
-              <a:rPr lang="en-US" dirty="0" smtClean="0"/>
-              <a:t> sockets provides the best performance – but it probably doesn’t worth the hassle</a:t>
-            </a:r>
-          </a:p>
-          <a:p>
-            <a:r>
-              <a:rPr lang="en-US" dirty="0" err="1" smtClean="0"/>
-              <a:t>MessagePack</a:t>
-            </a:r>
-            <a:r>
-              <a:rPr lang="en-US" dirty="0" smtClean="0"/>
-              <a:t> is great – but it has hidden bugs and minor incompatibilities between the platform implementations (</a:t>
-            </a:r>
-            <a:r>
-              <a:rPr lang="en-US" dirty="0" err="1" smtClean="0"/>
-              <a:t>eg</a:t>
-            </a:r>
-            <a:r>
-              <a:rPr lang="en-US" dirty="0" smtClean="0"/>
-              <a:t>. Java vs. .NET)</a:t>
-            </a:r>
-          </a:p>
-          <a:p>
-            <a:r>
-              <a:rPr lang="en-US" dirty="0" smtClean="0"/>
-              <a:t>Phone manufacturers tend to use custom hardware APIs and implementations – no restrictions from Android/Google on that (sensors).</a:t>
-            </a:r>
-          </a:p>
-          <a:p>
-            <a:r>
-              <a:rPr lang="en-US" dirty="0" err="1" smtClean="0"/>
-              <a:t>OpenStreetMaps</a:t>
-            </a:r>
-            <a:r>
-              <a:rPr lang="en-US" dirty="0" smtClean="0"/>
-              <a:t> lacks documentation (state in 2012)</a:t>
+              <a:t>MVC Frontend - Tracking</a:t>
             </a:r>
             <a:endParaRPr lang="en-US" dirty="0"/>
           </a:p>
@@ -7988,10 +7958,40 @@
           </a:p>
         </p:txBody>
       </p:sp>
+      <p:pic>
+        <p:nvPicPr>
+          <p:cNvPr id="9" name="Picture 8"/>
+          <p:cNvPicPr>
+            <a:picLocks noChangeAspect="1"/>
+          </p:cNvPicPr>
+          <p:nvPr/>
+        </p:nvPicPr>
+        <p:blipFill>
+          <a:blip r:embed="rId2">
+            <a:extLst>
+              <a:ext uri="{28A0092B-C50C-407E-A947-70E740481C1C}">
+                <a14:useLocalDpi xmlns:a14="http://schemas.microsoft.com/office/drawing/2010/main" val="0"/>
+              </a:ext>
+            </a:extLst>
+          </a:blip>
+          <a:stretch>
+            <a:fillRect/>
+          </a:stretch>
+        </p:blipFill>
+        <p:spPr>
+          <a:xfrm>
+            <a:off x="1503899" y="1274231"/>
+            <a:ext cx="7689146" cy="5436688"/>
+          </a:xfrm>
+          <a:prstGeom prst="rect">
+            <a:avLst/>
+          </a:prstGeom>
+        </p:spPr>
+      </p:pic>
     </p:spTree>
     <p:extLst>
       <p:ext uri="{BB962C8B-B14F-4D97-AF65-F5344CB8AC3E}">
-        <p14:creationId xmlns:p14="http://schemas.microsoft.com/office/powerpoint/2010/main" val="562170223"/>
+        <p14:creationId xmlns:p14="http://schemas.microsoft.com/office/powerpoint/2010/main" val="1522689702"/>
       </p:ext>
     </p:extLst>
   </p:cSld>
@@ -8035,7 +8035,7 @@
           <a:p>
             <a:r>
               <a:rPr lang="en-US" dirty="0" smtClean="0"/>
-              <a:t>What would I do different now?</a:t>
+              <a:t>Pitfalls</a:t>
             </a:r>
             <a:endParaRPr lang="en-US" dirty="0"/>
           </a:p>
@@ -8051,45 +8051,62 @@
             <p:ph idx="1"/>
           </p:nvPr>
         </p:nvSpPr>
-        <p:spPr/>
+        <p:spPr>
+          <a:xfrm>
+            <a:off x="1104293" y="1443317"/>
+            <a:ext cx="8946541" cy="4195481"/>
+          </a:xfrm>
+        </p:spPr>
         <p:txBody>
           <a:bodyPr/>
           <a:lstStyle/>
           <a:p>
             <a:r>
               <a:rPr lang="en-US" dirty="0" smtClean="0"/>
-              <a:t>Use service bus / message queuing instead of DB polling.</a:t>
-            </a:r>
-          </a:p>
-          <a:p>
+              <a:t>Working with </a:t>
+            </a:r>
+            <a:r>
+              <a:rPr lang="en-US" dirty="0" err="1" smtClean="0"/>
+              <a:t>async</a:t>
+            </a:r>
             <a:r>
               <a:rPr lang="en-US" dirty="0" smtClean="0"/>
-              <a:t>Use cloud mobile service with </a:t>
-            </a:r>
+              <a:t> sockets provides the best performance – but it probably doesn’t worth the hassle</a:t>
+            </a:r>
+          </a:p>
+          <a:p>
             <a:r>
               <a:rPr lang="en-US" dirty="0" err="1" smtClean="0"/>
-              <a:t>json</a:t>
+              <a:t>MessagePack</a:t>
             </a:r>
             <a:r>
               <a:rPr lang="en-US" dirty="0" smtClean="0"/>
-              <a:t>, instead of the custom networking (didn’t worth the effort really)</a:t>
-            </a:r>
-          </a:p>
-          <a:p>
+              <a:t> is great – but it has hidden bugs and minor incompatibilities between the platform implementations (</a:t>
+            </a:r>
+            <a:r>
+              <a:rPr lang="en-US" dirty="0" err="1" smtClean="0"/>
+              <a:t>eg</a:t>
+            </a:r>
             <a:r>
               <a:rPr lang="en-US" dirty="0" smtClean="0"/>
-              <a:t>Or use </a:t>
-            </a:r>
+              <a:t>. Java vs. .NET)</a:t>
+            </a:r>
+          </a:p>
+          <a:p>
+            <a:r>
+              <a:rPr lang="en-US" dirty="0" smtClean="0"/>
+              <a:t>Phone manufacturers tend to use custom hardware APIs and implementations – no restrictions from Android/Google on that (sensors).</a:t>
+            </a:r>
+          </a:p>
+          <a:p>
             <a:r>
               <a:rPr lang="en-US" dirty="0" err="1" smtClean="0"/>
-              <a:t>google’s</a:t>
+              <a:t>OpenStreetMaps</a:t>
             </a:r>
             <a:r>
               <a:rPr lang="en-US" dirty="0" smtClean="0"/>
-              <a:t> push notification service to send commands to app</a:t>
-            </a:r>
-          </a:p>
-          <a:p>
+              <a:t> lacks documentation (state in 2012)</a:t>
+            </a:r>
             <a:endParaRPr lang="en-US" dirty="0"/>
           </a:p>
         </p:txBody>
@@ -8143,7 +8160,7 @@
     </p:spTree>
     <p:extLst>
       <p:ext uri="{BB962C8B-B14F-4D97-AF65-F5344CB8AC3E}">
-        <p14:creationId xmlns:p14="http://schemas.microsoft.com/office/powerpoint/2010/main" val="649398067"/>
+        <p14:creationId xmlns:p14="http://schemas.microsoft.com/office/powerpoint/2010/main" val="562170223"/>
       </p:ext>
     </p:extLst>
   </p:cSld>
@@ -8172,6 +8189,158 @@
       </p:grpSpPr>
       <p:sp>
         <p:nvSpPr>
+          <p:cNvPr id="2" name="Title 1"/>
+          <p:cNvSpPr>
+            <a:spLocks noGrp="1"/>
+          </p:cNvSpPr>
+          <p:nvPr>
+            <p:ph type="title"/>
+          </p:nvPr>
+        </p:nvSpPr>
+        <p:spPr/>
+        <p:txBody>
+          <a:bodyPr/>
+          <a:lstStyle/>
+          <a:p>
+            <a:r>
+              <a:rPr lang="en-US" dirty="0" smtClean="0"/>
+              <a:t>What would I do different now?</a:t>
+            </a:r>
+            <a:endParaRPr lang="en-US" dirty="0"/>
+          </a:p>
+        </p:txBody>
+      </p:sp>
+      <p:sp>
+        <p:nvSpPr>
+          <p:cNvPr id="3" name="Content Placeholder 2"/>
+          <p:cNvSpPr>
+            <a:spLocks noGrp="1"/>
+          </p:cNvSpPr>
+          <p:nvPr>
+            <p:ph idx="1"/>
+          </p:nvPr>
+        </p:nvSpPr>
+        <p:spPr/>
+        <p:txBody>
+          <a:bodyPr/>
+          <a:lstStyle/>
+          <a:p>
+            <a:r>
+              <a:rPr lang="en-US" dirty="0" smtClean="0"/>
+              <a:t>Use service bus / message queuing instead of DB polling.</a:t>
+            </a:r>
+          </a:p>
+          <a:p>
+            <a:r>
+              <a:rPr lang="en-US" dirty="0" smtClean="0"/>
+              <a:t>Use cloud mobile service with </a:t>
+            </a:r>
+            <a:r>
+              <a:rPr lang="en-US" dirty="0" err="1" smtClean="0"/>
+              <a:t>json</a:t>
+            </a:r>
+            <a:r>
+              <a:rPr lang="en-US" dirty="0" smtClean="0"/>
+              <a:t>, instead of the custom networking (didn’t worth the effort really)</a:t>
+            </a:r>
+          </a:p>
+          <a:p>
+            <a:r>
+              <a:rPr lang="en-US" dirty="0" smtClean="0"/>
+              <a:t>Or use </a:t>
+            </a:r>
+            <a:r>
+              <a:rPr lang="en-US" dirty="0" err="1" smtClean="0"/>
+              <a:t>google’s</a:t>
+            </a:r>
+            <a:r>
+              <a:rPr lang="en-US" dirty="0" smtClean="0"/>
+              <a:t> push notification service to send commands to app</a:t>
+            </a:r>
+          </a:p>
+          <a:p>
+            <a:endParaRPr lang="en-US" dirty="0"/>
+          </a:p>
+        </p:txBody>
+      </p:sp>
+      <p:sp>
+        <p:nvSpPr>
+          <p:cNvPr id="7" name="Footer Placeholder 6"/>
+          <p:cNvSpPr>
+            <a:spLocks noGrp="1"/>
+          </p:cNvSpPr>
+          <p:nvPr>
+            <p:ph type="ftr" sz="quarter" idx="11"/>
+          </p:nvPr>
+        </p:nvSpPr>
+        <p:spPr/>
+        <p:txBody>
+          <a:bodyPr/>
+          <a:lstStyle/>
+          <a:p>
+            <a:r>
+              <a:rPr lang="fi-FI" smtClean="0"/>
+              <a:t>Tamas Santa - EPAM Systems - 2014</a:t>
+            </a:r>
+            <a:endParaRPr lang="en-US"/>
+          </a:p>
+        </p:txBody>
+      </p:sp>
+      <p:sp>
+        <p:nvSpPr>
+          <p:cNvPr id="5" name="Slide Number Placeholder 4"/>
+          <p:cNvSpPr>
+            <a:spLocks noGrp="1"/>
+          </p:cNvSpPr>
+          <p:nvPr>
+            <p:ph type="sldNum" sz="quarter" idx="12"/>
+          </p:nvPr>
+        </p:nvSpPr>
+        <p:spPr/>
+        <p:txBody>
+          <a:bodyPr/>
+          <a:lstStyle/>
+          <a:p>
+            <a:fld id="{735DCA29-66C8-4381-8F44-751A31B5815A}" type="slidenum">
+              <a:rPr lang="en-US" smtClean="0"/>
+              <a:t>18</a:t>
+            </a:fld>
+            <a:endParaRPr lang="en-US"/>
+          </a:p>
+        </p:txBody>
+      </p:sp>
+    </p:spTree>
+    <p:extLst>
+      <p:ext uri="{BB962C8B-B14F-4D97-AF65-F5344CB8AC3E}">
+        <p14:creationId xmlns:p14="http://schemas.microsoft.com/office/powerpoint/2010/main" val="649398067"/>
+      </p:ext>
+    </p:extLst>
+  </p:cSld>
+  <p:clrMapOvr>
+    <a:masterClrMapping/>
+  </p:clrMapOvr>
+</p:sld>
+</file>
+
+<file path=ppt/slides/slide19.xml><?xml version="1.0" encoding="utf-8"?>
+<p:sld xmlns:a="http://schemas.openxmlformats.org/drawingml/2006/main" xmlns:r="http://schemas.openxmlformats.org/officeDocument/2006/relationships" xmlns:p="http://schemas.openxmlformats.org/presentationml/2006/main">
+  <p:cSld>
+    <p:spTree>
+      <p:nvGrpSpPr>
+        <p:cNvPr id="1" name=""/>
+        <p:cNvGrpSpPr/>
+        <p:nvPr/>
+      </p:nvGrpSpPr>
+      <p:grpSpPr>
+        <a:xfrm>
+          <a:off x="0" y="0"/>
+          <a:ext cx="0" cy="0"/>
+          <a:chOff x="0" y="0"/>
+          <a:chExt cx="0" cy="0"/>
+        </a:xfrm>
+      </p:grpSpPr>
+      <p:sp>
+        <p:nvSpPr>
           <p:cNvPr id="4" name="TextBox 3"/>
           <p:cNvSpPr txBox="1"/>
           <p:nvPr/>
@@ -8240,7 +8409,7 @@
           <a:p>
             <a:fld id="{735DCA29-66C8-4381-8F44-751A31B5815A}" type="slidenum">
               <a:rPr lang="en-US" smtClean="0"/>
-              <a:t>18</a:t>
+              <a:t>19</a:t>
             </a:fld>
             <a:endParaRPr lang="en-US"/>
           </a:p>
@@ -8876,25 +9045,6 @@
       </p:sp>
       <p:sp>
         <p:nvSpPr>
-          <p:cNvPr id="3" name="Content Placeholder 2"/>
-          <p:cNvSpPr>
-            <a:spLocks noGrp="1"/>
-          </p:cNvSpPr>
-          <p:nvPr>
-            <p:ph idx="1"/>
-          </p:nvPr>
-        </p:nvSpPr>
-        <p:spPr/>
-        <p:txBody>
-          <a:bodyPr/>
-          <a:lstStyle/>
-          <a:p>
-            <a:endParaRPr lang="en-US"/>
-          </a:p>
-        </p:txBody>
-      </p:sp>
-      <p:sp>
-        <p:nvSpPr>
           <p:cNvPr id="7" name="Footer Placeholder 6"/>
           <p:cNvSpPr>
             <a:spLocks noGrp="1"/>
@@ -8939,6 +9089,760 @@
           </a:p>
         </p:txBody>
       </p:sp>
+      <p:sp>
+        <p:nvSpPr>
+          <p:cNvPr id="4" name="Can 3"/>
+          <p:cNvSpPr/>
+          <p:nvPr/>
+        </p:nvSpPr>
+        <p:spPr>
+          <a:xfrm>
+            <a:off x="9573302" y="3041775"/>
+            <a:ext cx="1070919" cy="1013254"/>
+          </a:xfrm>
+          <a:prstGeom prst="can">
+            <a:avLst/>
+          </a:prstGeom>
+        </p:spPr>
+        <p:style>
+          <a:lnRef idx="2">
+            <a:schemeClr val="dk1"/>
+          </a:lnRef>
+          <a:fillRef idx="1">
+            <a:schemeClr val="lt1"/>
+          </a:fillRef>
+          <a:effectRef idx="0">
+            <a:schemeClr val="dk1"/>
+          </a:effectRef>
+          <a:fontRef idx="minor">
+            <a:schemeClr val="dk1"/>
+          </a:fontRef>
+        </p:style>
+        <p:txBody>
+          <a:bodyPr rtlCol="0" anchor="ctr"/>
+          <a:lstStyle/>
+          <a:p>
+            <a:pPr algn="ctr"/>
+            <a:r>
+              <a:rPr lang="en-US" dirty="0" smtClean="0"/>
+              <a:t>DB</a:t>
+            </a:r>
+            <a:endParaRPr lang="en-US" dirty="0"/>
+          </a:p>
+        </p:txBody>
+      </p:sp>
+      <p:pic>
+        <p:nvPicPr>
+          <p:cNvPr id="6" name="Picture 5"/>
+          <p:cNvPicPr>
+            <a:picLocks noChangeAspect="1"/>
+          </p:cNvPicPr>
+          <p:nvPr/>
+        </p:nvPicPr>
+        <p:blipFill>
+          <a:blip r:embed="rId2" cstate="print">
+            <a:extLst>
+              <a:ext uri="{28A0092B-C50C-407E-A947-70E740481C1C}">
+                <a14:useLocalDpi xmlns:a14="http://schemas.microsoft.com/office/drawing/2010/main" val="0"/>
+              </a:ext>
+            </a:extLst>
+          </a:blip>
+          <a:stretch>
+            <a:fillRect/>
+          </a:stretch>
+        </p:blipFill>
+        <p:spPr>
+          <a:xfrm>
+            <a:off x="1050749" y="3332410"/>
+            <a:ext cx="579121" cy="1127762"/>
+          </a:xfrm>
+          <a:prstGeom prst="rect">
+            <a:avLst/>
+          </a:prstGeom>
+        </p:spPr>
+      </p:pic>
+      <p:pic>
+        <p:nvPicPr>
+          <p:cNvPr id="8" name="Picture 7"/>
+          <p:cNvPicPr>
+            <a:picLocks noChangeAspect="1"/>
+          </p:cNvPicPr>
+          <p:nvPr/>
+        </p:nvPicPr>
+        <p:blipFill>
+          <a:blip r:embed="rId2" cstate="print">
+            <a:extLst>
+              <a:ext uri="{28A0092B-C50C-407E-A947-70E740481C1C}">
+                <a14:useLocalDpi xmlns:a14="http://schemas.microsoft.com/office/drawing/2010/main" val="0"/>
+              </a:ext>
+            </a:extLst>
+          </a:blip>
+          <a:stretch>
+            <a:fillRect/>
+          </a:stretch>
+        </p:blipFill>
+        <p:spPr>
+          <a:xfrm>
+            <a:off x="372513" y="4373007"/>
+            <a:ext cx="579121" cy="1127762"/>
+          </a:xfrm>
+          <a:prstGeom prst="rect">
+            <a:avLst/>
+          </a:prstGeom>
+        </p:spPr>
+      </p:pic>
+      <p:pic>
+        <p:nvPicPr>
+          <p:cNvPr id="9" name="Picture 8"/>
+          <p:cNvPicPr>
+            <a:picLocks noChangeAspect="1"/>
+          </p:cNvPicPr>
+          <p:nvPr/>
+        </p:nvPicPr>
+        <p:blipFill>
+          <a:blip r:embed="rId2" cstate="print">
+            <a:extLst>
+              <a:ext uri="{28A0092B-C50C-407E-A947-70E740481C1C}">
+                <a14:useLocalDpi xmlns:a14="http://schemas.microsoft.com/office/drawing/2010/main" val="0"/>
+              </a:ext>
+            </a:extLst>
+          </a:blip>
+          <a:stretch>
+            <a:fillRect/>
+          </a:stretch>
+        </p:blipFill>
+        <p:spPr>
+          <a:xfrm>
+            <a:off x="1001191" y="5500769"/>
+            <a:ext cx="579121" cy="1127762"/>
+          </a:xfrm>
+          <a:prstGeom prst="rect">
+            <a:avLst/>
+          </a:prstGeom>
+        </p:spPr>
+      </p:pic>
+      <p:sp>
+        <p:nvSpPr>
+          <p:cNvPr id="11" name="Cloud 10"/>
+          <p:cNvSpPr/>
+          <p:nvPr/>
+        </p:nvSpPr>
+        <p:spPr>
+          <a:xfrm>
+            <a:off x="2262620" y="4327379"/>
+            <a:ext cx="2254435" cy="1219017"/>
+          </a:xfrm>
+          <a:prstGeom prst="cloud">
+            <a:avLst/>
+          </a:prstGeom>
+        </p:spPr>
+        <p:style>
+          <a:lnRef idx="2">
+            <a:schemeClr val="dk1"/>
+          </a:lnRef>
+          <a:fillRef idx="1">
+            <a:schemeClr val="lt1"/>
+          </a:fillRef>
+          <a:effectRef idx="0">
+            <a:schemeClr val="dk1"/>
+          </a:effectRef>
+          <a:fontRef idx="minor">
+            <a:schemeClr val="dk1"/>
+          </a:fontRef>
+        </p:style>
+        <p:txBody>
+          <a:bodyPr rtlCol="0" anchor="ctr"/>
+          <a:lstStyle/>
+          <a:p>
+            <a:pPr algn="ctr"/>
+            <a:r>
+              <a:rPr lang="en-US" sz="1400" dirty="0" smtClean="0"/>
+              <a:t>Network / Load balancer</a:t>
+            </a:r>
+            <a:endParaRPr lang="en-US" sz="1400" dirty="0"/>
+          </a:p>
+        </p:txBody>
+      </p:sp>
+      <p:sp>
+        <p:nvSpPr>
+          <p:cNvPr id="12" name="Flowchart: Alternate Process 11"/>
+          <p:cNvSpPr/>
+          <p:nvPr/>
+        </p:nvSpPr>
+        <p:spPr>
+          <a:xfrm>
+            <a:off x="5510498" y="4186618"/>
+            <a:ext cx="2826716" cy="1492334"/>
+          </a:xfrm>
+          <a:prstGeom prst="flowChartAlternateProcess">
+            <a:avLst/>
+          </a:prstGeom>
+        </p:spPr>
+        <p:style>
+          <a:lnRef idx="2">
+            <a:schemeClr val="dk1"/>
+          </a:lnRef>
+          <a:fillRef idx="1">
+            <a:schemeClr val="lt1"/>
+          </a:fillRef>
+          <a:effectRef idx="0">
+            <a:schemeClr val="dk1"/>
+          </a:effectRef>
+          <a:fontRef idx="minor">
+            <a:schemeClr val="dk1"/>
+          </a:fontRef>
+        </p:style>
+        <p:txBody>
+          <a:bodyPr rtlCol="0" anchor="ctr"/>
+          <a:lstStyle/>
+          <a:p>
+            <a:pPr marL="285750" indent="-285750">
+              <a:buFont typeface="Arial" panose="020B0604020202020204" pitchFamily="34" charset="0"/>
+              <a:buChar char="•"/>
+            </a:pPr>
+            <a:r>
+              <a:rPr lang="en-US" dirty="0" smtClean="0"/>
+              <a:t>Authenticate</a:t>
+            </a:r>
+          </a:p>
+          <a:p>
+            <a:pPr marL="285750" indent="-285750">
+              <a:buFont typeface="Arial" panose="020B0604020202020204" pitchFamily="34" charset="0"/>
+              <a:buChar char="•"/>
+            </a:pPr>
+            <a:r>
+              <a:rPr lang="en-US" dirty="0" smtClean="0"/>
+              <a:t>Set Protocol</a:t>
+            </a:r>
+          </a:p>
+          <a:p>
+            <a:pPr marL="285750" indent="-285750">
+              <a:buFont typeface="Arial" panose="020B0604020202020204" pitchFamily="34" charset="0"/>
+              <a:buChar char="•"/>
+            </a:pPr>
+            <a:r>
+              <a:rPr lang="en-US" dirty="0" smtClean="0"/>
+              <a:t>Send Commands</a:t>
+            </a:r>
+          </a:p>
+          <a:p>
+            <a:pPr marL="285750" indent="-285750">
+              <a:buFont typeface="Arial" panose="020B0604020202020204" pitchFamily="34" charset="0"/>
+              <a:buChar char="•"/>
+            </a:pPr>
+            <a:r>
+              <a:rPr lang="en-US" dirty="0" smtClean="0"/>
+              <a:t>Request </a:t>
+            </a:r>
+            <a:r>
+              <a:rPr lang="en-US" dirty="0" err="1" smtClean="0"/>
+              <a:t>Positon</a:t>
+            </a:r>
+            <a:endParaRPr lang="en-US" dirty="0"/>
+          </a:p>
+        </p:txBody>
+      </p:sp>
+      <p:sp>
+        <p:nvSpPr>
+          <p:cNvPr id="13" name="Flowchart: Alternate Process 12"/>
+          <p:cNvSpPr/>
+          <p:nvPr/>
+        </p:nvSpPr>
+        <p:spPr>
+          <a:xfrm>
+            <a:off x="5444292" y="1280809"/>
+            <a:ext cx="2991254" cy="1224047"/>
+          </a:xfrm>
+          <a:prstGeom prst="flowChartAlternateProcess">
+            <a:avLst/>
+          </a:prstGeom>
+        </p:spPr>
+        <p:style>
+          <a:lnRef idx="2">
+            <a:schemeClr val="dk1"/>
+          </a:lnRef>
+          <a:fillRef idx="1">
+            <a:schemeClr val="lt1"/>
+          </a:fillRef>
+          <a:effectRef idx="0">
+            <a:schemeClr val="dk1"/>
+          </a:effectRef>
+          <a:fontRef idx="minor">
+            <a:schemeClr val="dk1"/>
+          </a:fontRef>
+        </p:style>
+        <p:txBody>
+          <a:bodyPr rtlCol="0" anchor="ctr"/>
+          <a:lstStyle/>
+          <a:p>
+            <a:pPr marL="285750" indent="-285750">
+              <a:buFont typeface="Arial" panose="020B0604020202020204" pitchFamily="34" charset="0"/>
+              <a:buChar char="•"/>
+            </a:pPr>
+            <a:r>
+              <a:rPr lang="en-US" dirty="0" smtClean="0"/>
+              <a:t>Display devices</a:t>
+            </a:r>
+          </a:p>
+          <a:p>
+            <a:pPr marL="285750" indent="-285750">
+              <a:buFont typeface="Arial" panose="020B0604020202020204" pitchFamily="34" charset="0"/>
+              <a:buChar char="•"/>
+            </a:pPr>
+            <a:r>
+              <a:rPr lang="en-US" dirty="0" smtClean="0"/>
+              <a:t>Plot positions on map</a:t>
+            </a:r>
+          </a:p>
+          <a:p>
+            <a:pPr marL="285750" indent="-285750">
+              <a:buFont typeface="Arial" panose="020B0604020202020204" pitchFamily="34" charset="0"/>
+              <a:buChar char="•"/>
+            </a:pPr>
+            <a:r>
+              <a:rPr lang="en-US" dirty="0" smtClean="0"/>
+              <a:t>Send commands</a:t>
+            </a:r>
+            <a:endParaRPr lang="en-US" dirty="0"/>
+          </a:p>
+        </p:txBody>
+      </p:sp>
+      <p:cxnSp>
+        <p:nvCxnSpPr>
+          <p:cNvPr id="15" name="Straight Arrow Connector 14"/>
+          <p:cNvCxnSpPr/>
+          <p:nvPr/>
+        </p:nvCxnSpPr>
+        <p:spPr>
+          <a:xfrm>
+            <a:off x="1728985" y="3976769"/>
+            <a:ext cx="614384" cy="483403"/>
+          </a:xfrm>
+          <a:prstGeom prst="straightConnector1">
+            <a:avLst/>
+          </a:prstGeom>
+          <a:ln>
+            <a:headEnd type="triangle"/>
+            <a:tailEnd type="triangle"/>
+          </a:ln>
+        </p:spPr>
+        <p:style>
+          <a:lnRef idx="3">
+            <a:schemeClr val="accent3"/>
+          </a:lnRef>
+          <a:fillRef idx="0">
+            <a:schemeClr val="accent3"/>
+          </a:fillRef>
+          <a:effectRef idx="2">
+            <a:schemeClr val="accent3"/>
+          </a:effectRef>
+          <a:fontRef idx="minor">
+            <a:schemeClr val="tx1"/>
+          </a:fontRef>
+        </p:style>
+      </p:cxnSp>
+      <p:cxnSp>
+        <p:nvCxnSpPr>
+          <p:cNvPr id="16" name="Straight Arrow Connector 15"/>
+          <p:cNvCxnSpPr/>
+          <p:nvPr/>
+        </p:nvCxnSpPr>
+        <p:spPr>
+          <a:xfrm>
+            <a:off x="1033117" y="4936887"/>
+            <a:ext cx="1096462" cy="43583"/>
+          </a:xfrm>
+          <a:prstGeom prst="straightConnector1">
+            <a:avLst/>
+          </a:prstGeom>
+          <a:ln>
+            <a:headEnd type="triangle"/>
+            <a:tailEnd type="triangle"/>
+          </a:ln>
+        </p:spPr>
+        <p:style>
+          <a:lnRef idx="3">
+            <a:schemeClr val="accent3"/>
+          </a:lnRef>
+          <a:fillRef idx="0">
+            <a:schemeClr val="accent3"/>
+          </a:fillRef>
+          <a:effectRef idx="2">
+            <a:schemeClr val="accent3"/>
+          </a:effectRef>
+          <a:fontRef idx="minor">
+            <a:schemeClr val="tx1"/>
+          </a:fontRef>
+        </p:style>
+      </p:cxnSp>
+      <p:cxnSp>
+        <p:nvCxnSpPr>
+          <p:cNvPr id="18" name="Straight Arrow Connector 17"/>
+          <p:cNvCxnSpPr/>
+          <p:nvPr/>
+        </p:nvCxnSpPr>
+        <p:spPr>
+          <a:xfrm flipV="1">
+            <a:off x="1647869" y="5457185"/>
+            <a:ext cx="765817" cy="607466"/>
+          </a:xfrm>
+          <a:prstGeom prst="straightConnector1">
+            <a:avLst/>
+          </a:prstGeom>
+          <a:ln>
+            <a:headEnd type="triangle"/>
+            <a:tailEnd type="triangle"/>
+          </a:ln>
+        </p:spPr>
+        <p:style>
+          <a:lnRef idx="3">
+            <a:schemeClr val="accent3"/>
+          </a:lnRef>
+          <a:fillRef idx="0">
+            <a:schemeClr val="accent3"/>
+          </a:fillRef>
+          <a:effectRef idx="2">
+            <a:schemeClr val="accent3"/>
+          </a:effectRef>
+          <a:fontRef idx="minor">
+            <a:schemeClr val="tx1"/>
+          </a:fontRef>
+        </p:style>
+      </p:cxnSp>
+      <p:cxnSp>
+        <p:nvCxnSpPr>
+          <p:cNvPr id="21" name="Straight Arrow Connector 20"/>
+          <p:cNvCxnSpPr/>
+          <p:nvPr/>
+        </p:nvCxnSpPr>
+        <p:spPr>
+          <a:xfrm flipV="1">
+            <a:off x="4583692" y="4727901"/>
+            <a:ext cx="764780" cy="617"/>
+          </a:xfrm>
+          <a:prstGeom prst="straightConnector1">
+            <a:avLst/>
+          </a:prstGeom>
+          <a:ln>
+            <a:headEnd type="triangle"/>
+            <a:tailEnd type="triangle"/>
+          </a:ln>
+        </p:spPr>
+        <p:style>
+          <a:lnRef idx="3">
+            <a:schemeClr val="accent3"/>
+          </a:lnRef>
+          <a:fillRef idx="0">
+            <a:schemeClr val="accent3"/>
+          </a:fillRef>
+          <a:effectRef idx="2">
+            <a:schemeClr val="accent3"/>
+          </a:effectRef>
+          <a:fontRef idx="minor">
+            <a:schemeClr val="tx1"/>
+          </a:fontRef>
+        </p:style>
+      </p:cxnSp>
+      <p:cxnSp>
+        <p:nvCxnSpPr>
+          <p:cNvPr id="25" name="Straight Arrow Connector 24"/>
+          <p:cNvCxnSpPr/>
+          <p:nvPr/>
+        </p:nvCxnSpPr>
+        <p:spPr>
+          <a:xfrm flipV="1">
+            <a:off x="8435546" y="3972124"/>
+            <a:ext cx="1052907" cy="755777"/>
+          </a:xfrm>
+          <a:prstGeom prst="straightConnector1">
+            <a:avLst/>
+          </a:prstGeom>
+          <a:ln>
+            <a:tailEnd type="triangle"/>
+          </a:ln>
+        </p:spPr>
+        <p:style>
+          <a:lnRef idx="3">
+            <a:schemeClr val="accent3"/>
+          </a:lnRef>
+          <a:fillRef idx="0">
+            <a:schemeClr val="accent3"/>
+          </a:fillRef>
+          <a:effectRef idx="2">
+            <a:schemeClr val="accent3"/>
+          </a:effectRef>
+          <a:fontRef idx="minor">
+            <a:schemeClr val="tx1"/>
+          </a:fontRef>
+        </p:style>
+      </p:cxnSp>
+      <p:sp>
+        <p:nvSpPr>
+          <p:cNvPr id="29" name="TextBox 28"/>
+          <p:cNvSpPr txBox="1"/>
+          <p:nvPr/>
+        </p:nvSpPr>
+        <p:spPr>
+          <a:xfrm>
+            <a:off x="6150631" y="5658250"/>
+            <a:ext cx="2627667" cy="369332"/>
+          </a:xfrm>
+          <a:prstGeom prst="rect">
+            <a:avLst/>
+          </a:prstGeom>
+          <a:noFill/>
+        </p:spPr>
+        <p:txBody>
+          <a:bodyPr wrap="square" rtlCol="0">
+            <a:spAutoFit/>
+          </a:bodyPr>
+          <a:lstStyle/>
+          <a:p>
+            <a:r>
+              <a:rPr lang="en-US" dirty="0" smtClean="0"/>
+              <a:t>Server Node</a:t>
+            </a:r>
+            <a:endParaRPr lang="en-US" dirty="0"/>
+          </a:p>
+        </p:txBody>
+      </p:sp>
+      <p:sp>
+        <p:nvSpPr>
+          <p:cNvPr id="32" name="TextBox 31"/>
+          <p:cNvSpPr txBox="1"/>
+          <p:nvPr/>
+        </p:nvSpPr>
+        <p:spPr>
+          <a:xfrm>
+            <a:off x="6066883" y="2480537"/>
+            <a:ext cx="2627667" cy="369332"/>
+          </a:xfrm>
+          <a:prstGeom prst="rect">
+            <a:avLst/>
+          </a:prstGeom>
+          <a:noFill/>
+        </p:spPr>
+        <p:txBody>
+          <a:bodyPr wrap="square" rtlCol="0">
+            <a:spAutoFit/>
+          </a:bodyPr>
+          <a:lstStyle/>
+          <a:p>
+            <a:r>
+              <a:rPr lang="en-US" dirty="0" smtClean="0"/>
+              <a:t>Web Frontend</a:t>
+            </a:r>
+            <a:endParaRPr lang="en-US" dirty="0"/>
+          </a:p>
+        </p:txBody>
+      </p:sp>
+      <p:cxnSp>
+        <p:nvCxnSpPr>
+          <p:cNvPr id="33" name="Straight Arrow Connector 32"/>
+          <p:cNvCxnSpPr/>
+          <p:nvPr/>
+        </p:nvCxnSpPr>
+        <p:spPr>
+          <a:xfrm>
+            <a:off x="8526162" y="1892832"/>
+            <a:ext cx="962291" cy="1148943"/>
+          </a:xfrm>
+          <a:prstGeom prst="straightConnector1">
+            <a:avLst/>
+          </a:prstGeom>
+          <a:ln>
+            <a:headEnd type="triangle"/>
+            <a:tailEnd type="triangle"/>
+          </a:ln>
+        </p:spPr>
+        <p:style>
+          <a:lnRef idx="3">
+            <a:schemeClr val="accent3"/>
+          </a:lnRef>
+          <a:fillRef idx="0">
+            <a:schemeClr val="accent3"/>
+          </a:fillRef>
+          <a:effectRef idx="2">
+            <a:schemeClr val="accent3"/>
+          </a:effectRef>
+          <a:fontRef idx="minor">
+            <a:schemeClr val="tx1"/>
+          </a:fontRef>
+        </p:style>
+      </p:cxnSp>
+      <p:sp>
+        <p:nvSpPr>
+          <p:cNvPr id="36" name="Cloud 35"/>
+          <p:cNvSpPr/>
+          <p:nvPr/>
+        </p:nvSpPr>
+        <p:spPr>
+          <a:xfrm>
+            <a:off x="2262620" y="1437619"/>
+            <a:ext cx="2254435" cy="1219017"/>
+          </a:xfrm>
+          <a:prstGeom prst="cloud">
+            <a:avLst/>
+          </a:prstGeom>
+        </p:spPr>
+        <p:style>
+          <a:lnRef idx="2">
+            <a:schemeClr val="dk1"/>
+          </a:lnRef>
+          <a:fillRef idx="1">
+            <a:schemeClr val="lt1"/>
+          </a:fillRef>
+          <a:effectRef idx="0">
+            <a:schemeClr val="dk1"/>
+          </a:effectRef>
+          <a:fontRef idx="minor">
+            <a:schemeClr val="dk1"/>
+          </a:fontRef>
+        </p:style>
+        <p:txBody>
+          <a:bodyPr rtlCol="0" anchor="ctr"/>
+          <a:lstStyle/>
+          <a:p>
+            <a:pPr algn="ctr"/>
+            <a:r>
+              <a:rPr lang="en-US" sz="1400" dirty="0" smtClean="0"/>
+              <a:t>Network / Load balancer</a:t>
+            </a:r>
+            <a:endParaRPr lang="en-US" sz="1400" dirty="0"/>
+          </a:p>
+        </p:txBody>
+      </p:sp>
+      <p:cxnSp>
+        <p:nvCxnSpPr>
+          <p:cNvPr id="37" name="Straight Arrow Connector 36"/>
+          <p:cNvCxnSpPr/>
+          <p:nvPr/>
+        </p:nvCxnSpPr>
+        <p:spPr>
+          <a:xfrm flipV="1">
+            <a:off x="4598283" y="1892215"/>
+            <a:ext cx="764780" cy="617"/>
+          </a:xfrm>
+          <a:prstGeom prst="straightConnector1">
+            <a:avLst/>
+          </a:prstGeom>
+          <a:ln>
+            <a:headEnd type="triangle"/>
+            <a:tailEnd type="triangle"/>
+          </a:ln>
+        </p:spPr>
+        <p:style>
+          <a:lnRef idx="3">
+            <a:schemeClr val="accent3"/>
+          </a:lnRef>
+          <a:fillRef idx="0">
+            <a:schemeClr val="accent3"/>
+          </a:fillRef>
+          <a:effectRef idx="2">
+            <a:schemeClr val="accent3"/>
+          </a:effectRef>
+          <a:fontRef idx="minor">
+            <a:schemeClr val="tx1"/>
+          </a:fontRef>
+        </p:style>
+      </p:cxnSp>
+      <p:pic>
+        <p:nvPicPr>
+          <p:cNvPr id="39" name="Picture 38"/>
+          <p:cNvPicPr>
+            <a:picLocks noChangeAspect="1"/>
+          </p:cNvPicPr>
+          <p:nvPr/>
+        </p:nvPicPr>
+        <p:blipFill>
+          <a:blip r:embed="rId3" cstate="print">
+            <a:extLst>
+              <a:ext uri="{28A0092B-C50C-407E-A947-70E740481C1C}">
+                <a14:useLocalDpi xmlns:a14="http://schemas.microsoft.com/office/drawing/2010/main" val="0"/>
+              </a:ext>
+            </a:extLst>
+          </a:blip>
+          <a:stretch>
+            <a:fillRect/>
+          </a:stretch>
+        </p:blipFill>
+        <p:spPr>
+          <a:xfrm>
+            <a:off x="562874" y="1413357"/>
+            <a:ext cx="940214" cy="1121460"/>
+          </a:xfrm>
+          <a:prstGeom prst="rect">
+            <a:avLst/>
+          </a:prstGeom>
+        </p:spPr>
+      </p:pic>
+      <p:cxnSp>
+        <p:nvCxnSpPr>
+          <p:cNvPr id="40" name="Straight Arrow Connector 39"/>
+          <p:cNvCxnSpPr/>
+          <p:nvPr/>
+        </p:nvCxnSpPr>
+        <p:spPr>
+          <a:xfrm>
+            <a:off x="1616126" y="1935347"/>
+            <a:ext cx="588149" cy="25479"/>
+          </a:xfrm>
+          <a:prstGeom prst="straightConnector1">
+            <a:avLst/>
+          </a:prstGeom>
+          <a:ln>
+            <a:headEnd type="triangle"/>
+            <a:tailEnd type="triangle"/>
+          </a:ln>
+        </p:spPr>
+        <p:style>
+          <a:lnRef idx="3">
+            <a:schemeClr val="accent3"/>
+          </a:lnRef>
+          <a:fillRef idx="0">
+            <a:schemeClr val="accent3"/>
+          </a:fillRef>
+          <a:effectRef idx="2">
+            <a:schemeClr val="accent3"/>
+          </a:effectRef>
+          <a:fontRef idx="minor">
+            <a:schemeClr val="tx1"/>
+          </a:fontRef>
+        </p:style>
+      </p:cxnSp>
+      <p:cxnSp>
+        <p:nvCxnSpPr>
+          <p:cNvPr id="47" name="Straight Arrow Connector 46"/>
+          <p:cNvCxnSpPr/>
+          <p:nvPr/>
+        </p:nvCxnSpPr>
+        <p:spPr>
+          <a:xfrm flipH="1">
+            <a:off x="8445284" y="4186618"/>
+            <a:ext cx="1141501" cy="871414"/>
+          </a:xfrm>
+          <a:prstGeom prst="straightConnector1">
+            <a:avLst/>
+          </a:prstGeom>
+          <a:ln>
+            <a:tailEnd type="triangle"/>
+          </a:ln>
+        </p:spPr>
+        <p:style>
+          <a:lnRef idx="3">
+            <a:schemeClr val="accent3"/>
+          </a:lnRef>
+          <a:fillRef idx="0">
+            <a:schemeClr val="accent3"/>
+          </a:fillRef>
+          <a:effectRef idx="2">
+            <a:schemeClr val="accent3"/>
+          </a:effectRef>
+          <a:fontRef idx="minor">
+            <a:schemeClr val="tx1"/>
+          </a:fontRef>
+        </p:style>
+      </p:cxnSp>
     </p:spTree>
     <p:extLst>
       <p:ext uri="{BB962C8B-B14F-4D97-AF65-F5344CB8AC3E}">
@@ -9230,25 +10134,6 @@
       </p:sp>
       <p:sp>
         <p:nvSpPr>
-          <p:cNvPr id="3" name="Content Placeholder 2"/>
-          <p:cNvSpPr>
-            <a:spLocks noGrp="1"/>
-          </p:cNvSpPr>
-          <p:nvPr>
-            <p:ph idx="1"/>
-          </p:nvPr>
-        </p:nvSpPr>
-        <p:spPr/>
-        <p:txBody>
-          <a:bodyPr/>
-          <a:lstStyle/>
-          <a:p>
-            <a:endParaRPr lang="en-US"/>
-          </a:p>
-        </p:txBody>
-      </p:sp>
-      <p:sp>
-        <p:nvSpPr>
           <p:cNvPr id="7" name="Footer Placeholder 6"/>
           <p:cNvSpPr>
             <a:spLocks noGrp="1"/>
@@ -9290,6 +10175,734 @@
               <a:t>7</a:t>
             </a:fld>
             <a:endParaRPr lang="en-US"/>
+          </a:p>
+        </p:txBody>
+      </p:sp>
+      <p:pic>
+        <p:nvPicPr>
+          <p:cNvPr id="4" name="Picture 3"/>
+          <p:cNvPicPr>
+            <a:picLocks noChangeAspect="1"/>
+          </p:cNvPicPr>
+          <p:nvPr/>
+        </p:nvPicPr>
+        <p:blipFill>
+          <a:blip r:embed="rId2" cstate="print">
+            <a:extLst>
+              <a:ext uri="{28A0092B-C50C-407E-A947-70E740481C1C}">
+                <a14:useLocalDpi xmlns:a14="http://schemas.microsoft.com/office/drawing/2010/main" val="0"/>
+              </a:ext>
+            </a:extLst>
+          </a:blip>
+          <a:stretch>
+            <a:fillRect/>
+          </a:stretch>
+        </p:blipFill>
+        <p:spPr>
+          <a:xfrm>
+            <a:off x="501138" y="2167253"/>
+            <a:ext cx="579121" cy="1127762"/>
+          </a:xfrm>
+          <a:prstGeom prst="rect">
+            <a:avLst/>
+          </a:prstGeom>
+        </p:spPr>
+      </p:pic>
+      <p:sp>
+        <p:nvSpPr>
+          <p:cNvPr id="6" name="Flowchart: Alternate Process 5"/>
+          <p:cNvSpPr/>
+          <p:nvPr/>
+        </p:nvSpPr>
+        <p:spPr>
+          <a:xfrm>
+            <a:off x="9332684" y="4189282"/>
+            <a:ext cx="1081195" cy="924286"/>
+          </a:xfrm>
+          <a:prstGeom prst="flowChartAlternateProcess">
+            <a:avLst/>
+          </a:prstGeom>
+        </p:spPr>
+        <p:style>
+          <a:lnRef idx="2">
+            <a:schemeClr val="dk1"/>
+          </a:lnRef>
+          <a:fillRef idx="1">
+            <a:schemeClr val="lt1"/>
+          </a:fillRef>
+          <a:effectRef idx="0">
+            <a:schemeClr val="dk1"/>
+          </a:effectRef>
+          <a:fontRef idx="minor">
+            <a:schemeClr val="dk1"/>
+          </a:fontRef>
+        </p:style>
+        <p:txBody>
+          <a:bodyPr rtlCol="0" anchor="ctr"/>
+          <a:lstStyle/>
+          <a:p>
+            <a:pPr algn="ctr"/>
+            <a:r>
+              <a:rPr lang="en-US" dirty="0" smtClean="0"/>
+              <a:t>Server Node</a:t>
+            </a:r>
+            <a:endParaRPr lang="en-US" dirty="0"/>
+          </a:p>
+        </p:txBody>
+      </p:sp>
+      <p:sp>
+        <p:nvSpPr>
+          <p:cNvPr id="19" name="Rectangle 18"/>
+          <p:cNvSpPr/>
+          <p:nvPr/>
+        </p:nvSpPr>
+        <p:spPr>
+          <a:xfrm>
+            <a:off x="4428528" y="2297854"/>
+            <a:ext cx="1581668" cy="866559"/>
+          </a:xfrm>
+          <a:prstGeom prst="rect">
+            <a:avLst/>
+          </a:prstGeom>
+        </p:spPr>
+        <p:style>
+          <a:lnRef idx="2">
+            <a:schemeClr val="dk1"/>
+          </a:lnRef>
+          <a:fillRef idx="1">
+            <a:schemeClr val="lt1"/>
+          </a:fillRef>
+          <a:effectRef idx="0">
+            <a:schemeClr val="dk1"/>
+          </a:effectRef>
+          <a:fontRef idx="minor">
+            <a:schemeClr val="dk1"/>
+          </a:fontRef>
+        </p:style>
+        <p:txBody>
+          <a:bodyPr rtlCol="0" anchor="ctr"/>
+          <a:lstStyle/>
+          <a:p>
+            <a:pPr algn="ctr"/>
+            <a:r>
+              <a:rPr lang="en-US" sz="1600" dirty="0" err="1" smtClean="0"/>
+              <a:t>MessagePack</a:t>
+            </a:r>
+            <a:endParaRPr lang="en-US" sz="1600" dirty="0"/>
+          </a:p>
+          <a:p>
+            <a:pPr algn="ctr"/>
+            <a:r>
+              <a:rPr lang="en-US" sz="1600" dirty="0" err="1" smtClean="0"/>
+              <a:t>Serializer</a:t>
+            </a:r>
+            <a:endParaRPr lang="en-US" sz="1600" dirty="0" smtClean="0"/>
+          </a:p>
+          <a:p>
+            <a:pPr algn="ctr"/>
+            <a:r>
+              <a:rPr lang="en-US" sz="1600" dirty="0" smtClean="0"/>
+              <a:t>(java)</a:t>
+            </a:r>
+            <a:endParaRPr lang="en-US" sz="1600" dirty="0"/>
+          </a:p>
+        </p:txBody>
+      </p:sp>
+      <p:sp>
+        <p:nvSpPr>
+          <p:cNvPr id="21" name="Cloud 20"/>
+          <p:cNvSpPr/>
+          <p:nvPr/>
+        </p:nvSpPr>
+        <p:spPr>
+          <a:xfrm>
+            <a:off x="8706312" y="2208388"/>
+            <a:ext cx="1779373" cy="1045489"/>
+          </a:xfrm>
+          <a:prstGeom prst="cloud">
+            <a:avLst/>
+          </a:prstGeom>
+        </p:spPr>
+        <p:style>
+          <a:lnRef idx="2">
+            <a:schemeClr val="dk1"/>
+          </a:lnRef>
+          <a:fillRef idx="1">
+            <a:schemeClr val="lt1"/>
+          </a:fillRef>
+          <a:effectRef idx="0">
+            <a:schemeClr val="dk1"/>
+          </a:effectRef>
+          <a:fontRef idx="minor">
+            <a:schemeClr val="dk1"/>
+          </a:fontRef>
+        </p:style>
+        <p:txBody>
+          <a:bodyPr rtlCol="0" anchor="ctr"/>
+          <a:lstStyle/>
+          <a:p>
+            <a:pPr algn="ctr"/>
+            <a:r>
+              <a:rPr lang="en-US" dirty="0" smtClean="0"/>
+              <a:t>Network</a:t>
+            </a:r>
+            <a:endParaRPr lang="en-US" dirty="0"/>
+          </a:p>
+        </p:txBody>
+      </p:sp>
+      <p:sp>
+        <p:nvSpPr>
+          <p:cNvPr id="38" name="Flowchart: Alternate Process 37"/>
+          <p:cNvSpPr/>
+          <p:nvPr/>
+        </p:nvSpPr>
+        <p:spPr>
+          <a:xfrm>
+            <a:off x="1758495" y="2418188"/>
+            <a:ext cx="1243914" cy="625892"/>
+          </a:xfrm>
+          <a:prstGeom prst="flowChartAlternateProcess">
+            <a:avLst/>
+          </a:prstGeom>
+        </p:spPr>
+        <p:style>
+          <a:lnRef idx="2">
+            <a:schemeClr val="dk1"/>
+          </a:lnRef>
+          <a:fillRef idx="1">
+            <a:schemeClr val="lt1"/>
+          </a:fillRef>
+          <a:effectRef idx="0">
+            <a:schemeClr val="dk1"/>
+          </a:effectRef>
+          <a:fontRef idx="minor">
+            <a:schemeClr val="dk1"/>
+          </a:fontRef>
+        </p:style>
+        <p:txBody>
+          <a:bodyPr rtlCol="0" anchor="ctr"/>
+          <a:lstStyle/>
+          <a:p>
+            <a:pPr algn="ctr"/>
+            <a:r>
+              <a:rPr lang="en-US" dirty="0" smtClean="0"/>
+              <a:t>Location</a:t>
+            </a:r>
+          </a:p>
+          <a:p>
+            <a:pPr algn="ctr"/>
+            <a:r>
+              <a:rPr lang="en-US" dirty="0" smtClean="0"/>
+              <a:t>Message</a:t>
+            </a:r>
+            <a:endParaRPr lang="en-US" dirty="0"/>
+          </a:p>
+        </p:txBody>
+      </p:sp>
+      <p:cxnSp>
+        <p:nvCxnSpPr>
+          <p:cNvPr id="40" name="Straight Arrow Connector 39"/>
+          <p:cNvCxnSpPr/>
+          <p:nvPr/>
+        </p:nvCxnSpPr>
+        <p:spPr>
+          <a:xfrm>
+            <a:off x="1191365" y="2731134"/>
+            <a:ext cx="440222" cy="0"/>
+          </a:xfrm>
+          <a:prstGeom prst="straightConnector1">
+            <a:avLst/>
+          </a:prstGeom>
+          <a:ln>
+            <a:tailEnd type="triangle"/>
+          </a:ln>
+        </p:spPr>
+        <p:style>
+          <a:lnRef idx="3">
+            <a:schemeClr val="accent3"/>
+          </a:lnRef>
+          <a:fillRef idx="0">
+            <a:schemeClr val="accent3"/>
+          </a:fillRef>
+          <a:effectRef idx="2">
+            <a:schemeClr val="accent3"/>
+          </a:effectRef>
+          <a:fontRef idx="minor">
+            <a:schemeClr val="tx1"/>
+          </a:fontRef>
+        </p:style>
+      </p:cxnSp>
+      <p:cxnSp>
+        <p:nvCxnSpPr>
+          <p:cNvPr id="41" name="Straight Arrow Connector 40"/>
+          <p:cNvCxnSpPr/>
+          <p:nvPr/>
+        </p:nvCxnSpPr>
+        <p:spPr>
+          <a:xfrm>
+            <a:off x="3123138" y="2731133"/>
+            <a:ext cx="1305390" cy="0"/>
+          </a:xfrm>
+          <a:prstGeom prst="straightConnector1">
+            <a:avLst/>
+          </a:prstGeom>
+          <a:ln>
+            <a:tailEnd type="triangle"/>
+          </a:ln>
+        </p:spPr>
+        <p:style>
+          <a:lnRef idx="3">
+            <a:schemeClr val="accent3"/>
+          </a:lnRef>
+          <a:fillRef idx="0">
+            <a:schemeClr val="accent3"/>
+          </a:fillRef>
+          <a:effectRef idx="2">
+            <a:schemeClr val="accent3"/>
+          </a:effectRef>
+          <a:fontRef idx="minor">
+            <a:schemeClr val="tx1"/>
+          </a:fontRef>
+        </p:style>
+      </p:cxnSp>
+      <p:sp>
+        <p:nvSpPr>
+          <p:cNvPr id="43" name="TextBox 42"/>
+          <p:cNvSpPr txBox="1"/>
+          <p:nvPr/>
+        </p:nvSpPr>
+        <p:spPr>
+          <a:xfrm>
+            <a:off x="3093666" y="2361801"/>
+            <a:ext cx="1243605" cy="369332"/>
+          </a:xfrm>
+          <a:prstGeom prst="rect">
+            <a:avLst/>
+          </a:prstGeom>
+          <a:noFill/>
+        </p:spPr>
+        <p:txBody>
+          <a:bodyPr wrap="square" rtlCol="0">
+            <a:spAutoFit/>
+          </a:bodyPr>
+          <a:lstStyle/>
+          <a:p>
+            <a:r>
+              <a:rPr lang="en-US" dirty="0" smtClean="0">
+                <a:solidFill>
+                  <a:srgbClr val="FFFF00"/>
+                </a:solidFill>
+              </a:rPr>
+              <a:t>Serialize()</a:t>
+            </a:r>
+            <a:endParaRPr lang="en-US" dirty="0">
+              <a:solidFill>
+                <a:srgbClr val="FFFF00"/>
+              </a:solidFill>
+            </a:endParaRPr>
+          </a:p>
+        </p:txBody>
+      </p:sp>
+      <p:cxnSp>
+        <p:nvCxnSpPr>
+          <p:cNvPr id="45" name="Straight Arrow Connector 44"/>
+          <p:cNvCxnSpPr/>
+          <p:nvPr/>
+        </p:nvCxnSpPr>
+        <p:spPr>
+          <a:xfrm>
+            <a:off x="6101453" y="2731133"/>
+            <a:ext cx="2421588" cy="0"/>
+          </a:xfrm>
+          <a:prstGeom prst="straightConnector1">
+            <a:avLst/>
+          </a:prstGeom>
+          <a:ln>
+            <a:tailEnd type="triangle"/>
+          </a:ln>
+        </p:spPr>
+        <p:style>
+          <a:lnRef idx="3">
+            <a:schemeClr val="accent3"/>
+          </a:lnRef>
+          <a:fillRef idx="0">
+            <a:schemeClr val="accent3"/>
+          </a:fillRef>
+          <a:effectRef idx="2">
+            <a:schemeClr val="accent3"/>
+          </a:effectRef>
+          <a:fontRef idx="minor">
+            <a:schemeClr val="tx1"/>
+          </a:fontRef>
+        </p:style>
+      </p:cxnSp>
+      <p:sp>
+        <p:nvSpPr>
+          <p:cNvPr id="46" name="TextBox 45"/>
+          <p:cNvSpPr txBox="1"/>
+          <p:nvPr/>
+        </p:nvSpPr>
+        <p:spPr>
+          <a:xfrm>
+            <a:off x="6471406" y="2351673"/>
+            <a:ext cx="2224689" cy="369332"/>
+          </a:xfrm>
+          <a:prstGeom prst="rect">
+            <a:avLst/>
+          </a:prstGeom>
+          <a:noFill/>
+        </p:spPr>
+        <p:txBody>
+          <a:bodyPr wrap="square" rtlCol="0">
+            <a:spAutoFit/>
+          </a:bodyPr>
+          <a:lstStyle/>
+          <a:p>
+            <a:r>
+              <a:rPr lang="en-US" dirty="0" smtClean="0">
+                <a:solidFill>
+                  <a:srgbClr val="FFFF00"/>
+                </a:solidFill>
+              </a:rPr>
+              <a:t>Write byte[]</a:t>
+            </a:r>
+            <a:endParaRPr lang="en-US" dirty="0">
+              <a:solidFill>
+                <a:srgbClr val="FFFF00"/>
+              </a:solidFill>
+            </a:endParaRPr>
+          </a:p>
+        </p:txBody>
+      </p:sp>
+      <p:sp>
+        <p:nvSpPr>
+          <p:cNvPr id="47" name="Cloud 46"/>
+          <p:cNvSpPr/>
+          <p:nvPr/>
+        </p:nvSpPr>
+        <p:spPr>
+          <a:xfrm>
+            <a:off x="278006" y="4143112"/>
+            <a:ext cx="1779373" cy="1045489"/>
+          </a:xfrm>
+          <a:prstGeom prst="cloud">
+            <a:avLst/>
+          </a:prstGeom>
+        </p:spPr>
+        <p:style>
+          <a:lnRef idx="2">
+            <a:schemeClr val="dk1"/>
+          </a:lnRef>
+          <a:fillRef idx="1">
+            <a:schemeClr val="lt1"/>
+          </a:fillRef>
+          <a:effectRef idx="0">
+            <a:schemeClr val="dk1"/>
+          </a:effectRef>
+          <a:fontRef idx="minor">
+            <a:schemeClr val="dk1"/>
+          </a:fontRef>
+        </p:style>
+        <p:txBody>
+          <a:bodyPr rtlCol="0" anchor="ctr"/>
+          <a:lstStyle/>
+          <a:p>
+            <a:pPr algn="ctr"/>
+            <a:r>
+              <a:rPr lang="en-US" dirty="0" smtClean="0"/>
+              <a:t>Network</a:t>
+            </a:r>
+            <a:endParaRPr lang="en-US" dirty="0"/>
+          </a:p>
+        </p:txBody>
+      </p:sp>
+      <p:cxnSp>
+        <p:nvCxnSpPr>
+          <p:cNvPr id="48" name="Straight Arrow Connector 47"/>
+          <p:cNvCxnSpPr/>
+          <p:nvPr/>
+        </p:nvCxnSpPr>
+        <p:spPr>
+          <a:xfrm>
+            <a:off x="2182018" y="4633646"/>
+            <a:ext cx="1648577" cy="0"/>
+          </a:xfrm>
+          <a:prstGeom prst="straightConnector1">
+            <a:avLst/>
+          </a:prstGeom>
+          <a:ln>
+            <a:tailEnd type="triangle"/>
+          </a:ln>
+        </p:spPr>
+        <p:style>
+          <a:lnRef idx="3">
+            <a:schemeClr val="accent3"/>
+          </a:lnRef>
+          <a:fillRef idx="0">
+            <a:schemeClr val="accent3"/>
+          </a:fillRef>
+          <a:effectRef idx="2">
+            <a:schemeClr val="accent3"/>
+          </a:effectRef>
+          <a:fontRef idx="minor">
+            <a:schemeClr val="tx1"/>
+          </a:fontRef>
+        </p:style>
+      </p:cxnSp>
+      <p:sp>
+        <p:nvSpPr>
+          <p:cNvPr id="49" name="TextBox 48"/>
+          <p:cNvSpPr txBox="1"/>
+          <p:nvPr/>
+        </p:nvSpPr>
+        <p:spPr>
+          <a:xfrm>
+            <a:off x="2216222" y="4218147"/>
+            <a:ext cx="1885728" cy="369332"/>
+          </a:xfrm>
+          <a:prstGeom prst="rect">
+            <a:avLst/>
+          </a:prstGeom>
+          <a:noFill/>
+        </p:spPr>
+        <p:txBody>
+          <a:bodyPr wrap="square" rtlCol="0">
+            <a:spAutoFit/>
+          </a:bodyPr>
+          <a:lstStyle/>
+          <a:p>
+            <a:r>
+              <a:rPr lang="en-US" dirty="0" smtClean="0">
+                <a:solidFill>
+                  <a:srgbClr val="FFFF00"/>
+                </a:solidFill>
+              </a:rPr>
+              <a:t>Read byte[]</a:t>
+            </a:r>
+            <a:endParaRPr lang="en-US" dirty="0">
+              <a:solidFill>
+                <a:srgbClr val="FFFF00"/>
+              </a:solidFill>
+            </a:endParaRPr>
+          </a:p>
+        </p:txBody>
+      </p:sp>
+      <p:cxnSp>
+        <p:nvCxnSpPr>
+          <p:cNvPr id="50" name="Straight Arrow Connector 49"/>
+          <p:cNvCxnSpPr/>
+          <p:nvPr/>
+        </p:nvCxnSpPr>
+        <p:spPr>
+          <a:xfrm>
+            <a:off x="5818711" y="4605156"/>
+            <a:ext cx="1305390" cy="0"/>
+          </a:xfrm>
+          <a:prstGeom prst="straightConnector1">
+            <a:avLst/>
+          </a:prstGeom>
+          <a:ln>
+            <a:tailEnd type="triangle"/>
+          </a:ln>
+        </p:spPr>
+        <p:style>
+          <a:lnRef idx="3">
+            <a:schemeClr val="accent3"/>
+          </a:lnRef>
+          <a:fillRef idx="0">
+            <a:schemeClr val="accent3"/>
+          </a:fillRef>
+          <a:effectRef idx="2">
+            <a:schemeClr val="accent3"/>
+          </a:effectRef>
+          <a:fontRef idx="minor">
+            <a:schemeClr val="tx1"/>
+          </a:fontRef>
+        </p:style>
+      </p:cxnSp>
+      <p:sp>
+        <p:nvSpPr>
+          <p:cNvPr id="51" name="TextBox 50"/>
+          <p:cNvSpPr txBox="1"/>
+          <p:nvPr/>
+        </p:nvSpPr>
+        <p:spPr>
+          <a:xfrm>
+            <a:off x="5745462" y="4213067"/>
+            <a:ext cx="1686599" cy="369332"/>
+          </a:xfrm>
+          <a:prstGeom prst="rect">
+            <a:avLst/>
+          </a:prstGeom>
+          <a:noFill/>
+        </p:spPr>
+        <p:txBody>
+          <a:bodyPr wrap="square" rtlCol="0">
+            <a:spAutoFit/>
+          </a:bodyPr>
+          <a:lstStyle/>
+          <a:p>
+            <a:r>
+              <a:rPr lang="en-US" dirty="0" err="1" smtClean="0">
+                <a:solidFill>
+                  <a:srgbClr val="FFFF00"/>
+                </a:solidFill>
+              </a:rPr>
+              <a:t>DeSerialize</a:t>
+            </a:r>
+            <a:r>
+              <a:rPr lang="en-US" dirty="0" smtClean="0">
+                <a:solidFill>
+                  <a:srgbClr val="FFFF00"/>
+                </a:solidFill>
+              </a:rPr>
+              <a:t>()</a:t>
+            </a:r>
+            <a:endParaRPr lang="en-US" dirty="0">
+              <a:solidFill>
+                <a:srgbClr val="FFFF00"/>
+              </a:solidFill>
+            </a:endParaRPr>
+          </a:p>
+        </p:txBody>
+      </p:sp>
+      <p:sp>
+        <p:nvSpPr>
+          <p:cNvPr id="53" name="Flowchart: Alternate Process 52"/>
+          <p:cNvSpPr/>
+          <p:nvPr/>
+        </p:nvSpPr>
+        <p:spPr>
+          <a:xfrm>
+            <a:off x="7298050" y="4320700"/>
+            <a:ext cx="1243914" cy="625892"/>
+          </a:xfrm>
+          <a:prstGeom prst="flowChartAlternateProcess">
+            <a:avLst/>
+          </a:prstGeom>
+        </p:spPr>
+        <p:style>
+          <a:lnRef idx="2">
+            <a:schemeClr val="dk1"/>
+          </a:lnRef>
+          <a:fillRef idx="1">
+            <a:schemeClr val="lt1"/>
+          </a:fillRef>
+          <a:effectRef idx="0">
+            <a:schemeClr val="dk1"/>
+          </a:effectRef>
+          <a:fontRef idx="minor">
+            <a:schemeClr val="dk1"/>
+          </a:fontRef>
+        </p:style>
+        <p:txBody>
+          <a:bodyPr rtlCol="0" anchor="ctr"/>
+          <a:lstStyle/>
+          <a:p>
+            <a:pPr algn="ctr"/>
+            <a:r>
+              <a:rPr lang="en-US" dirty="0" smtClean="0"/>
+              <a:t>Location</a:t>
+            </a:r>
+          </a:p>
+          <a:p>
+            <a:pPr algn="ctr"/>
+            <a:r>
+              <a:rPr lang="en-US" dirty="0" smtClean="0"/>
+              <a:t>Message</a:t>
+            </a:r>
+            <a:endParaRPr lang="en-US" dirty="0"/>
+          </a:p>
+        </p:txBody>
+      </p:sp>
+      <p:cxnSp>
+        <p:nvCxnSpPr>
+          <p:cNvPr id="54" name="Straight Arrow Connector 53"/>
+          <p:cNvCxnSpPr/>
+          <p:nvPr/>
+        </p:nvCxnSpPr>
+        <p:spPr>
+          <a:xfrm>
+            <a:off x="8629136" y="4605156"/>
+            <a:ext cx="556054" cy="0"/>
+          </a:xfrm>
+          <a:prstGeom prst="straightConnector1">
+            <a:avLst/>
+          </a:prstGeom>
+          <a:ln>
+            <a:tailEnd type="triangle"/>
+          </a:ln>
+        </p:spPr>
+        <p:style>
+          <a:lnRef idx="3">
+            <a:schemeClr val="accent3"/>
+          </a:lnRef>
+          <a:fillRef idx="0">
+            <a:schemeClr val="accent3"/>
+          </a:fillRef>
+          <a:effectRef idx="2">
+            <a:schemeClr val="accent3"/>
+          </a:effectRef>
+          <a:fontRef idx="minor">
+            <a:schemeClr val="tx1"/>
+          </a:fontRef>
+        </p:style>
+      </p:cxnSp>
+      <p:sp>
+        <p:nvSpPr>
+          <p:cNvPr id="56" name="Rectangle 55"/>
+          <p:cNvSpPr/>
+          <p:nvPr/>
+        </p:nvSpPr>
+        <p:spPr>
+          <a:xfrm>
+            <a:off x="4033308" y="4218146"/>
+            <a:ext cx="1581668" cy="866559"/>
+          </a:xfrm>
+          <a:prstGeom prst="rect">
+            <a:avLst/>
+          </a:prstGeom>
+        </p:spPr>
+        <p:style>
+          <a:lnRef idx="2">
+            <a:schemeClr val="dk1"/>
+          </a:lnRef>
+          <a:fillRef idx="1">
+            <a:schemeClr val="lt1"/>
+          </a:fillRef>
+          <a:effectRef idx="0">
+            <a:schemeClr val="dk1"/>
+          </a:effectRef>
+          <a:fontRef idx="minor">
+            <a:schemeClr val="dk1"/>
+          </a:fontRef>
+        </p:style>
+        <p:txBody>
+          <a:bodyPr rtlCol="0" anchor="ctr"/>
+          <a:lstStyle/>
+          <a:p>
+            <a:pPr algn="ctr"/>
+            <a:r>
+              <a:rPr lang="en-US" sz="1600" dirty="0" err="1" smtClean="0"/>
+              <a:t>MessagePack</a:t>
+            </a:r>
+            <a:endParaRPr lang="en-US" sz="1600" dirty="0"/>
+          </a:p>
+          <a:p>
+            <a:pPr algn="ctr"/>
+            <a:r>
+              <a:rPr lang="en-US" sz="1600" dirty="0" err="1" smtClean="0"/>
+              <a:t>Serializer</a:t>
+            </a:r>
+            <a:endParaRPr lang="en-US" sz="1600" dirty="0" smtClean="0"/>
+          </a:p>
+          <a:p>
+            <a:pPr algn="ctr"/>
+            <a:r>
+              <a:rPr lang="en-US" sz="1600" dirty="0" smtClean="0"/>
+              <a:t>(.NET)</a:t>
+            </a:r>
+            <a:endParaRPr lang="en-US" sz="1600" dirty="0"/>
           </a:p>
         </p:txBody>
       </p:sp>
@@ -9538,7 +11151,7 @@
             </a:r>
             <a:r>
               <a:rPr lang="en-US" dirty="0" smtClean="0"/>
-              <a:t> - Performance</a:t>
+              <a:t> - Format</a:t>
             </a:r>
             <a:endParaRPr lang="en-US" dirty="0"/>
           </a:p>
@@ -9546,7 +11159,7 @@
       </p:sp>
       <p:sp>
         <p:nvSpPr>
-          <p:cNvPr id="7" name="Footer Placeholder 6"/>
+          <p:cNvPr id="4" name="Footer Placeholder 3"/>
           <p:cNvSpPr>
             <a:spLocks noGrp="1"/>
           </p:cNvSpPr>
@@ -9592,7 +11205,7 @@
       </p:sp>
       <p:pic>
         <p:nvPicPr>
-          <p:cNvPr id="8" name="Picture 7"/>
+          <p:cNvPr id="6" name="Picture 5"/>
           <p:cNvPicPr>
             <a:picLocks noChangeAspect="1"/>
           </p:cNvPicPr>
@@ -9612,48 +11225,18 @@
         </p:blipFill>
         <p:spPr>
           <a:xfrm>
-            <a:off x="760728" y="1443317"/>
-            <a:ext cx="9703833" cy="3260488"/>
+            <a:off x="1559566" y="1576635"/>
+            <a:ext cx="8004564" cy="4508188"/>
           </a:xfrm>
           <a:prstGeom prst="rect">
             <a:avLst/>
           </a:prstGeom>
         </p:spPr>
       </p:pic>
-      <p:sp>
-        <p:nvSpPr>
-          <p:cNvPr id="9" name="TextBox 8"/>
-          <p:cNvSpPr txBox="1"/>
-          <p:nvPr/>
-        </p:nvSpPr>
-        <p:spPr>
-          <a:xfrm>
-            <a:off x="2619633" y="4827373"/>
-            <a:ext cx="9213309" cy="338554"/>
-          </a:xfrm>
-          <a:prstGeom prst="rect">
-            <a:avLst/>
-          </a:prstGeom>
-          <a:noFill/>
-        </p:spPr>
-        <p:txBody>
-          <a:bodyPr wrap="square" rtlCol="0">
-            <a:spAutoFit/>
-          </a:bodyPr>
-          <a:lstStyle/>
-          <a:p>
-            <a:r>
-              <a:rPr lang="en-US" sz="1600" dirty="0" smtClean="0"/>
-              <a:t>http://theburningmonk.com/2011/12/performance-test-binary-serializers-part-ii/</a:t>
-            </a:r>
-            <a:endParaRPr lang="en-US" sz="1600" dirty="0"/>
-          </a:p>
-        </p:txBody>
-      </p:sp>
     </p:spTree>
     <p:extLst>
       <p:ext uri="{BB962C8B-B14F-4D97-AF65-F5344CB8AC3E}">
-        <p14:creationId xmlns:p14="http://schemas.microsoft.com/office/powerpoint/2010/main" val="1020776417"/>
+        <p14:creationId xmlns:p14="http://schemas.microsoft.com/office/powerpoint/2010/main" val="193630677"/>
       </p:ext>
     </p:extLst>
   </p:cSld>
